--- a/Lec4/Lecture_4.pptx
+++ b/Lec4/Lecture_4.pptx
@@ -9,11 +9,11 @@
   </p:notesMasterIdLst>
   <p:sldIdLst>
     <p:sldId id="256" r:id="rId2"/>
-    <p:sldId id="258" r:id="rId3"/>
-    <p:sldId id="259" r:id="rId4"/>
-    <p:sldId id="260" r:id="rId5"/>
-    <p:sldId id="261" r:id="rId6"/>
-    <p:sldId id="262" r:id="rId7"/>
+    <p:sldId id="263" r:id="rId3"/>
+    <p:sldId id="264" r:id="rId4"/>
+    <p:sldId id="266" r:id="rId5"/>
+    <p:sldId id="267" r:id="rId6"/>
+    <p:sldId id="269" r:id="rId7"/>
   </p:sldIdLst>
   <p:sldSz cx="9144000" cy="6858000" type="screen4x3"/>
   <p:notesSz cx="6858000" cy="9144000"/>
@@ -213,7 +213,7 @@
           <a:p>
             <a:fld id="{C4C6B73B-45EA-47FD-A56C-CA3C9E6BCAA5}" type="datetimeFigureOut">
               <a:rPr lang="en-US" smtClean="0"/>
-              <a:t>1/22/2015</a:t>
+              <a:t>1/29/2015</a:t>
             </a:fld>
             <a:endParaRPr lang="en-US"/>
           </a:p>
@@ -481,102 +481,6 @@
 </p:notesMaster>
 </file>
 
-<file path=ppt/notesSlides/notesSlide1.xml><?xml version="1.0" encoding="utf-8"?>
-<p:notes xmlns:a="http://schemas.openxmlformats.org/drawingml/2006/main" xmlns:r="http://schemas.openxmlformats.org/officeDocument/2006/relationships" xmlns:p="http://schemas.openxmlformats.org/presentationml/2006/main">
-  <p:cSld>
-    <p:spTree>
-      <p:nvGrpSpPr>
-        <p:cNvPr id="1" name=""/>
-        <p:cNvGrpSpPr/>
-        <p:nvPr/>
-      </p:nvGrpSpPr>
-      <p:grpSpPr>
-        <a:xfrm>
-          <a:off x="0" y="0"/>
-          <a:ext cx="0" cy="0"/>
-          <a:chOff x="0" y="0"/>
-          <a:chExt cx="0" cy="0"/>
-        </a:xfrm>
-      </p:grpSpPr>
-      <p:sp>
-        <p:nvSpPr>
-          <p:cNvPr id="2" name="Slide Image Placeholder 1"/>
-          <p:cNvSpPr>
-            <a:spLocks noGrp="1" noRot="1" noChangeAspect="1"/>
-          </p:cNvSpPr>
-          <p:nvPr>
-            <p:ph type="sldImg"/>
-          </p:nvPr>
-        </p:nvSpPr>
-        <p:spPr/>
-      </p:sp>
-      <p:sp>
-        <p:nvSpPr>
-          <p:cNvPr id="3" name="Notes Placeholder 2"/>
-          <p:cNvSpPr>
-            <a:spLocks noGrp="1"/>
-          </p:cNvSpPr>
-          <p:nvPr>
-            <p:ph type="body" idx="1"/>
-          </p:nvPr>
-        </p:nvSpPr>
-        <p:spPr/>
-        <p:txBody>
-          <a:bodyPr/>
-          <a:lstStyle/>
-          <a:p>
-            <a:r>
-              <a:rPr lang="en-US" dirty="0" smtClean="0"/>
-              <a:t>Story about </a:t>
-            </a:r>
-            <a:r>
-              <a:rPr lang="en-US" dirty="0" err="1" smtClean="0"/>
-              <a:t>Orkin</a:t>
-            </a:r>
-            <a:r>
-              <a:rPr lang="en-US" baseline="0" dirty="0" smtClean="0"/>
-              <a:t> plots </a:t>
-            </a:r>
-            <a:endParaRPr lang="en-US" dirty="0"/>
-          </a:p>
-        </p:txBody>
-      </p:sp>
-      <p:sp>
-        <p:nvSpPr>
-          <p:cNvPr id="4" name="Slide Number Placeholder 3"/>
-          <p:cNvSpPr>
-            <a:spLocks noGrp="1"/>
-          </p:cNvSpPr>
-          <p:nvPr>
-            <p:ph type="sldNum" sz="quarter" idx="10"/>
-          </p:nvPr>
-        </p:nvSpPr>
-        <p:spPr/>
-        <p:txBody>
-          <a:bodyPr/>
-          <a:lstStyle/>
-          <a:p>
-            <a:fld id="{CAA25B9C-3AE8-4E63-943D-8CD36A796F96}" type="slidenum">
-              <a:rPr lang="en-US" smtClean="0"/>
-              <a:t>2</a:t>
-            </a:fld>
-            <a:endParaRPr lang="en-US"/>
-          </a:p>
-        </p:txBody>
-      </p:sp>
-    </p:spTree>
-    <p:extLst>
-      <p:ext uri="{BB962C8B-B14F-4D97-AF65-F5344CB8AC3E}">
-        <p14:creationId xmlns:p14="http://schemas.microsoft.com/office/powerpoint/2010/main" val="2260151682"/>
-      </p:ext>
-    </p:extLst>
-  </p:cSld>
-  <p:clrMapOvr>
-    <a:masterClrMapping/>
-  </p:clrMapOvr>
-</p:notes>
-</file>
-
 <file path=ppt/slideLayouts/slideLayout1.xml><?xml version="1.0" encoding="utf-8"?>
 <p:sldLayout xmlns:a="http://schemas.openxmlformats.org/drawingml/2006/main" xmlns:r="http://schemas.openxmlformats.org/officeDocument/2006/relationships" xmlns:p="http://schemas.openxmlformats.org/presentationml/2006/main" type="title" preserve="1">
   <p:cSld name="Title Slide">
@@ -766,7 +670,7 @@
           <a:p>
             <a:fld id="{FB4D832D-09DF-4D16-B21B-C4F14FB0DF50}" type="datetimeFigureOut">
               <a:rPr lang="en-US" smtClean="0"/>
-              <a:t>1/22/2015</a:t>
+              <a:t>1/29/2015</a:t>
             </a:fld>
             <a:endParaRPr lang="en-US"/>
           </a:p>
@@ -984,7 +888,7 @@
           <a:p>
             <a:fld id="{FB4D832D-09DF-4D16-B21B-C4F14FB0DF50}" type="datetimeFigureOut">
               <a:rPr lang="en-US" smtClean="0"/>
-              <a:t>1/22/2015</a:t>
+              <a:t>1/29/2015</a:t>
             </a:fld>
             <a:endParaRPr lang="en-US"/>
           </a:p>
@@ -1171,7 +1075,7 @@
           <a:p>
             <a:fld id="{FB4D832D-09DF-4D16-B21B-C4F14FB0DF50}" type="datetimeFigureOut">
               <a:rPr lang="en-US" smtClean="0"/>
-              <a:t>1/22/2015</a:t>
+              <a:t>1/29/2015</a:t>
             </a:fld>
             <a:endParaRPr lang="en-US"/>
           </a:p>
@@ -1358,7 +1262,7 @@
           <a:p>
             <a:fld id="{FB4D832D-09DF-4D16-B21B-C4F14FB0DF50}" type="datetimeFigureOut">
               <a:rPr lang="en-US" smtClean="0"/>
-              <a:t>1/22/2015</a:t>
+              <a:t>1/29/2015</a:t>
             </a:fld>
             <a:endParaRPr lang="en-US"/>
           </a:p>
@@ -1652,7 +1556,7 @@
           <a:p>
             <a:fld id="{FB4D832D-09DF-4D16-B21B-C4F14FB0DF50}" type="datetimeFigureOut">
               <a:rPr lang="en-US" smtClean="0"/>
-              <a:t>1/22/2015</a:t>
+              <a:t>1/29/2015</a:t>
             </a:fld>
             <a:endParaRPr lang="en-US"/>
           </a:p>
@@ -1947,7 +1851,7 @@
           <a:p>
             <a:fld id="{FB4D832D-09DF-4D16-B21B-C4F14FB0DF50}" type="datetimeFigureOut">
               <a:rPr lang="en-US" smtClean="0"/>
-              <a:t>1/22/2015</a:t>
+              <a:t>1/29/2015</a:t>
             </a:fld>
             <a:endParaRPr lang="en-US"/>
           </a:p>
@@ -2376,7 +2280,7 @@
           <a:p>
             <a:fld id="{FB4D832D-09DF-4D16-B21B-C4F14FB0DF50}" type="datetimeFigureOut">
               <a:rPr lang="en-US" smtClean="0"/>
-              <a:t>1/22/2015</a:t>
+              <a:t>1/29/2015</a:t>
             </a:fld>
             <a:endParaRPr lang="en-US"/>
           </a:p>
@@ -2494,7 +2398,7 @@
           <a:p>
             <a:fld id="{FB4D832D-09DF-4D16-B21B-C4F14FB0DF50}" type="datetimeFigureOut">
               <a:rPr lang="en-US" smtClean="0"/>
-              <a:t>1/22/2015</a:t>
+              <a:t>1/29/2015</a:t>
             </a:fld>
             <a:endParaRPr lang="en-US"/>
           </a:p>
@@ -2596,7 +2500,7 @@
           <a:p>
             <a:fld id="{FB4D832D-09DF-4D16-B21B-C4F14FB0DF50}" type="datetimeFigureOut">
               <a:rPr lang="en-US" smtClean="0"/>
-              <a:t>1/22/2015</a:t>
+              <a:t>1/29/2015</a:t>
             </a:fld>
             <a:endParaRPr lang="en-US"/>
           </a:p>
@@ -2873,7 +2777,7 @@
           <a:p>
             <a:fld id="{FB4D832D-09DF-4D16-B21B-C4F14FB0DF50}" type="datetimeFigureOut">
               <a:rPr lang="en-US" smtClean="0"/>
-              <a:t>1/22/2015</a:t>
+              <a:t>1/29/2015</a:t>
             </a:fld>
             <a:endParaRPr lang="en-US"/>
           </a:p>
@@ -3137,7 +3041,7 @@
           <a:p>
             <a:fld id="{FB4D832D-09DF-4D16-B21B-C4F14FB0DF50}" type="datetimeFigureOut">
               <a:rPr lang="en-US" smtClean="0"/>
-              <a:t>1/22/2015</a:t>
+              <a:t>1/29/2015</a:t>
             </a:fld>
             <a:endParaRPr lang="en-US"/>
           </a:p>
@@ -3357,7 +3261,7 @@
           <a:p>
             <a:fld id="{FB4D832D-09DF-4D16-B21B-C4F14FB0DF50}" type="datetimeFigureOut">
               <a:rPr lang="en-US" smtClean="0"/>
-              <a:t>1/22/2015</a:t>
+              <a:t>1/29/2015</a:t>
             </a:fld>
             <a:endParaRPr lang="en-US"/>
           </a:p>
@@ -3770,11 +3674,7 @@
             </a:br>
             <a:r>
               <a:rPr lang="en-US" smtClean="0"/>
-              <a:t>Lecture </a:t>
-            </a:r>
-            <a:r>
-              <a:rPr lang="en-US" smtClean="0"/>
-              <a:t>4</a:t>
+              <a:t>Lecture 4</a:t>
             </a:r>
             <a:r>
               <a:rPr lang="en-US" dirty="0" smtClean="0"/>
@@ -3792,11 +3692,7 @@
             </a:br>
             <a:r>
               <a:rPr lang="en-US" sz="2200" smtClean="0"/>
-              <a:t>September </a:t>
-            </a:r>
-            <a:r>
-              <a:rPr lang="en-US" sz="2200" smtClean="0"/>
-              <a:t>29, </a:t>
+              <a:t>September 29, </a:t>
             </a:r>
             <a:r>
               <a:rPr lang="en-US" sz="2200" dirty="0"/>
@@ -3817,61 +3713,143 @@
         </p:nvSpPr>
         <p:spPr>
           <a:xfrm>
-            <a:off x="1295400" y="3276600"/>
-            <a:ext cx="6172200" cy="2209800"/>
+            <a:off x="1295400" y="2971800"/>
+            <a:ext cx="6172200" cy="2514600"/>
           </a:xfrm>
         </p:spPr>
         <p:txBody>
           <a:bodyPr>
-            <a:normAutofit fontScale="62500" lnSpcReduction="20000"/>
+            <a:normAutofit fontScale="55000" lnSpcReduction="20000"/>
           </a:bodyPr>
           <a:lstStyle/>
           <a:p>
             <a:pPr algn="l"/>
             <a:r>
               <a:rPr lang="en-US" dirty="0" smtClean="0"/>
-              <a:t>Benefits of R &amp; data.table</a:t>
+              <a:t>Quick notes about  </a:t>
+            </a:r>
+            <a:r>
+              <a:rPr lang="en-US" dirty="0"/>
+              <a:t>S3 and S4 objects</a:t>
             </a:r>
           </a:p>
           <a:p>
             <a:pPr algn="l"/>
             <a:r>
               <a:rPr lang="en-US" dirty="0" smtClean="0"/>
-              <a:t>Analysis and data manipulation</a:t>
+              <a:t>Quick notes about apply </a:t>
             </a:r>
           </a:p>
           <a:p>
             <a:pPr algn="l"/>
             <a:r>
               <a:rPr lang="en-US" dirty="0" smtClean="0"/>
-              <a:t>Remote connections </a:t>
+              <a:t>26</a:t>
+            </a:r>
+            <a:r>
+              <a:rPr lang="en-US" baseline="30000" dirty="0" smtClean="0"/>
+              <a:t>th</a:t>
+            </a:r>
+            <a:r>
+              <a:rPr lang="en-US" dirty="0" smtClean="0"/>
+              <a:t> and California: More on data.table</a:t>
             </a:r>
           </a:p>
           <a:p>
             <a:pPr algn="l"/>
             <a:r>
+              <a:rPr lang="en-US" dirty="0"/>
+              <a:t>26</a:t>
+            </a:r>
+            <a:r>
+              <a:rPr lang="en-US" baseline="30000" dirty="0"/>
+              <a:t>th</a:t>
+            </a:r>
+            <a:r>
+              <a:rPr lang="en-US" dirty="0"/>
+              <a:t> and California: </a:t>
+            </a:r>
+            <a:r>
               <a:rPr lang="en-US" dirty="0" smtClean="0"/>
-              <a:t>Using amazon AWS</a:t>
+              <a:t>More on </a:t>
+            </a:r>
+            <a:r>
+              <a:rPr lang="en-US" dirty="0" smtClean="0"/>
+              <a:t>ggplot2</a:t>
             </a:r>
           </a:p>
           <a:p>
             <a:pPr algn="l"/>
-            <a:endParaRPr lang="en-US" dirty="0" smtClean="0"/>
+            <a:r>
+              <a:rPr lang="en-US" dirty="0" err="1"/>
+              <a:t>Exp</a:t>
+            </a:r>
+            <a:r>
+              <a:rPr lang="en-US" dirty="0"/>
+              <a:t> smoothing example: </a:t>
+            </a:r>
+            <a:r>
+              <a:rPr lang="en-US" dirty="0" err="1"/>
+              <a:t>knitr</a:t>
+            </a:r>
+            <a:endParaRPr lang="en-US" dirty="0"/>
           </a:p>
           <a:p>
             <a:pPr algn="l"/>
             <a:r>
+              <a:rPr lang="en-US" dirty="0" err="1"/>
+              <a:t>Exp</a:t>
+            </a:r>
+            <a:r>
               <a:rPr lang="en-US" dirty="0"/>
-              <a:t> </a:t>
-            </a:r>
-            <a:endParaRPr lang="en-US" dirty="0" smtClean="0"/>
+              <a:t> smoothing example: </a:t>
+            </a:r>
+            <a:r>
+              <a:rPr lang="en-US" dirty="0" smtClean="0"/>
+              <a:t>Shiny</a:t>
+            </a:r>
           </a:p>
           <a:p>
             <a:pPr algn="l"/>
             <a:r>
               <a:rPr lang="en-US" dirty="0"/>
-              <a:t> </a:t>
-            </a:r>
+              <a:t>Vacant Building Prediction: AWS</a:t>
+            </a:r>
+          </a:p>
+          <a:p>
+            <a:pPr algn="l"/>
+            <a:r>
+              <a:rPr lang="en-US" dirty="0"/>
+              <a:t>Vacant Building Prediction: </a:t>
+            </a:r>
+            <a:r>
+              <a:rPr lang="en-US" dirty="0" smtClean="0"/>
+              <a:t>Parallel processing</a:t>
+            </a:r>
+          </a:p>
+          <a:p>
+            <a:pPr algn="l"/>
+            <a:r>
+              <a:rPr lang="en-US" dirty="0"/>
+              <a:t>Vacant Building Prediction: </a:t>
+            </a:r>
+            <a:r>
+              <a:rPr lang="en-US" dirty="0" smtClean="0"/>
+              <a:t>Machine learning models</a:t>
+            </a:r>
+            <a:endParaRPr lang="en-US" dirty="0"/>
+          </a:p>
+          <a:p>
+            <a:pPr algn="l"/>
+            <a:endParaRPr lang="en-US" dirty="0"/>
+          </a:p>
+          <a:p>
+            <a:pPr algn="l"/>
+            <a:endParaRPr lang="en-US" dirty="0"/>
+          </a:p>
+          <a:p>
+            <a:pPr algn="l"/>
+            <a:endParaRPr lang="en-US" dirty="0"/>
           </a:p>
         </p:txBody>
       </p:sp>
@@ -3922,118 +3900,46 @@
             <p:ph type="title"/>
           </p:nvPr>
         </p:nvSpPr>
-        <p:spPr>
-          <a:xfrm>
-            <a:off x="1600200" y="152400"/>
-            <a:ext cx="6781800" cy="1143000"/>
-          </a:xfrm>
-        </p:spPr>
+        <p:spPr/>
+        <p:txBody>
+          <a:bodyPr>
+            <a:normAutofit fontScale="90000"/>
+          </a:bodyPr>
+          <a:lstStyle/>
+          <a:p>
+            <a:r>
+              <a:rPr lang="en-US" dirty="0" smtClean="0"/>
+              <a:t>Quick note about R’s Objects</a:t>
+            </a:r>
+            <a:endParaRPr lang="en-US" dirty="0"/>
+          </a:p>
+        </p:txBody>
+      </p:sp>
+      <p:sp>
+        <p:nvSpPr>
+          <p:cNvPr id="3" name="Content Placeholder 2"/>
+          <p:cNvSpPr>
+            <a:spLocks noGrp="1"/>
+          </p:cNvSpPr>
+          <p:nvPr>
+            <p:ph idx="1"/>
+          </p:nvPr>
+        </p:nvSpPr>
+        <p:spPr/>
         <p:txBody>
           <a:bodyPr/>
           <a:lstStyle/>
           <a:p>
             <a:r>
               <a:rPr lang="en-US" dirty="0" smtClean="0"/>
-              <a:t>Summary Points</a:t>
-            </a:r>
-            <a:endParaRPr lang="en-US" dirty="0"/>
-          </a:p>
-        </p:txBody>
-      </p:sp>
-      <p:sp>
-        <p:nvSpPr>
-          <p:cNvPr id="3" name="Content Placeholder 2"/>
-          <p:cNvSpPr>
-            <a:spLocks noGrp="1"/>
-          </p:cNvSpPr>
-          <p:nvPr>
-            <p:ph idx="1"/>
-          </p:nvPr>
-        </p:nvSpPr>
-        <p:spPr>
-          <a:xfrm>
-            <a:off x="1600200" y="1295400"/>
-            <a:ext cx="7086600" cy="5181600"/>
-          </a:xfrm>
-        </p:spPr>
-        <p:txBody>
-          <a:bodyPr>
-            <a:normAutofit fontScale="92500" lnSpcReduction="20000"/>
-          </a:bodyPr>
-          <a:lstStyle/>
-          <a:p>
+              <a:t>Objects vs “Objects”</a:t>
+            </a:r>
+          </a:p>
+          <a:p>
+            <a:pPr lvl="1"/>
             <a:r>
               <a:rPr lang="en-US" dirty="0" smtClean="0"/>
-              <a:t>Why learn R</a:t>
-            </a:r>
-          </a:p>
-          <a:p>
-            <a:pPr lvl="1"/>
-            <a:r>
-              <a:rPr lang="en-US" dirty="0" smtClean="0"/>
-              <a:t>Community</a:t>
-            </a:r>
-          </a:p>
-          <a:p>
-            <a:pPr lvl="1"/>
-            <a:r>
-              <a:rPr lang="en-US" dirty="0" smtClean="0"/>
-              <a:t>Top choice among data scientists (along with Python)</a:t>
-            </a:r>
-          </a:p>
-          <a:p>
-            <a:pPr lvl="1"/>
-            <a:r>
-              <a:rPr lang="en-US" dirty="0" smtClean="0"/>
-              <a:t>Good balance of functionality / ease of use</a:t>
-            </a:r>
-          </a:p>
-          <a:p>
-            <a:r>
-              <a:rPr lang="en-US" dirty="0" smtClean="0"/>
-              <a:t>Why learn data.table</a:t>
-            </a:r>
-          </a:p>
-          <a:p>
-            <a:pPr lvl="1"/>
-            <a:r>
-              <a:rPr lang="en-US" dirty="0" smtClean="0"/>
-              <a:t>Quick access to variables</a:t>
-            </a:r>
-          </a:p>
-          <a:p>
-            <a:pPr lvl="1"/>
-            <a:r>
-              <a:rPr lang="en-US" dirty="0" smtClean="0"/>
-              <a:t>Merging</a:t>
-            </a:r>
-          </a:p>
-          <a:p>
-            <a:pPr lvl="1"/>
-            <a:r>
-              <a:rPr lang="en-US" dirty="0" smtClean="0"/>
-              <a:t>Integer based dates (</a:t>
-            </a:r>
-            <a:r>
-              <a:rPr lang="en-US" dirty="0" err="1" smtClean="0"/>
-              <a:t>IDates</a:t>
-            </a:r>
-            <a:r>
-              <a:rPr lang="en-US" dirty="0" smtClean="0"/>
-              <a:t>) will make your life 100% simpler</a:t>
-            </a:r>
-          </a:p>
-          <a:p>
-            <a:r>
-              <a:rPr lang="en-US" dirty="0" smtClean="0"/>
-              <a:t>Version control is essential in all projects</a:t>
-            </a:r>
-          </a:p>
-          <a:p>
-            <a:pPr lvl="1"/>
-            <a:r>
-              <a:rPr lang="en-US" dirty="0" smtClean="0"/>
-              <a:t>Reproducibility</a:t>
+              <a:t>Note that R has “object oriented” programming available through S3 and S4 object </a:t>
             </a:r>
           </a:p>
         </p:txBody>
@@ -4041,20 +3947,13 @@
     </p:spTree>
     <p:extLst>
       <p:ext uri="{BB962C8B-B14F-4D97-AF65-F5344CB8AC3E}">
-        <p14:creationId xmlns:p14="http://schemas.microsoft.com/office/powerpoint/2010/main" val="498878836"/>
+        <p14:creationId xmlns:p14="http://schemas.microsoft.com/office/powerpoint/2010/main" val="1403139949"/>
       </p:ext>
     </p:extLst>
   </p:cSld>
   <p:clrMapOvr>
     <a:masterClrMapping/>
   </p:clrMapOvr>
-  <p:timing>
-    <p:tnLst>
-      <p:par>
-        <p:cTn id="1" dur="indefinite" restart="never" nodeType="tmRoot"/>
-      </p:par>
-    </p:tnLst>
-  </p:timing>
 </p:sld>
 </file>
 
@@ -4085,147 +3984,109 @@
             <p:ph type="title"/>
           </p:nvPr>
         </p:nvSpPr>
+        <p:spPr>
+          <a:xfrm>
+            <a:off x="1600200" y="274638"/>
+            <a:ext cx="7086600" cy="1143000"/>
+          </a:xfrm>
+        </p:spPr>
+        <p:txBody>
+          <a:bodyPr>
+            <a:normAutofit/>
+          </a:bodyPr>
+          <a:lstStyle/>
+          <a:p>
+            <a:r>
+              <a:rPr lang="en-US" sz="3600" dirty="0" smtClean="0"/>
+              <a:t>Quick note about the apply family</a:t>
+            </a:r>
+            <a:endParaRPr lang="en-US" sz="3600" dirty="0"/>
+          </a:p>
+        </p:txBody>
+      </p:sp>
+      <p:sp>
+        <p:nvSpPr>
+          <p:cNvPr id="3" name="Content Placeholder 2"/>
+          <p:cNvSpPr>
+            <a:spLocks noGrp="1"/>
+          </p:cNvSpPr>
+          <p:nvPr>
+            <p:ph idx="1"/>
+          </p:nvPr>
+        </p:nvSpPr>
         <p:spPr/>
         <p:txBody>
           <a:bodyPr>
-            <a:normAutofit fontScale="90000"/>
+            <a:normAutofit fontScale="92500"/>
           </a:bodyPr>
           <a:lstStyle/>
           <a:p>
             <a:r>
               <a:rPr lang="en-US" dirty="0" smtClean="0"/>
-              <a:t>Data analysis and basic exploration</a:t>
-            </a:r>
+              <a:t>R has several types of apply functions</a:t>
+            </a:r>
+          </a:p>
+          <a:p>
+            <a:pPr lvl="1"/>
+            <a:r>
+              <a:rPr lang="en-US" dirty="0" smtClean="0"/>
+              <a:t>apply – apply a function to a matrix</a:t>
+            </a:r>
+          </a:p>
+          <a:p>
+            <a:pPr lvl="1"/>
+            <a:r>
+              <a:rPr lang="en-US" dirty="0" err="1" smtClean="0"/>
+              <a:t>lapply</a:t>
+            </a:r>
+            <a:r>
+              <a:rPr lang="en-US" dirty="0" smtClean="0"/>
+              <a:t> – apply a function to a list or matrix, and return a list</a:t>
+            </a:r>
+          </a:p>
+          <a:p>
+            <a:pPr lvl="1"/>
+            <a:r>
+              <a:rPr lang="en-US" dirty="0" err="1" smtClean="0"/>
+              <a:t>sapply</a:t>
+            </a:r>
+            <a:r>
+              <a:rPr lang="en-US" dirty="0" smtClean="0"/>
+              <a:t> – apply </a:t>
+            </a:r>
+            <a:r>
+              <a:rPr lang="en-US" dirty="0"/>
+              <a:t>a function to a list or matrix, and </a:t>
+            </a:r>
+            <a:r>
+              <a:rPr lang="en-US" dirty="0" smtClean="0"/>
+              <a:t>attempt to reduce the dimensions</a:t>
+            </a:r>
+          </a:p>
+          <a:p>
+            <a:pPr lvl="1"/>
+            <a:r>
+              <a:rPr lang="en-US" dirty="0" err="1" smtClean="0"/>
+              <a:t>rapply</a:t>
+            </a:r>
+            <a:r>
+              <a:rPr lang="en-US" dirty="0" smtClean="0"/>
+              <a:t>, </a:t>
+            </a:r>
+            <a:r>
+              <a:rPr lang="en-US" dirty="0" err="1" smtClean="0"/>
+              <a:t>eapply</a:t>
+            </a:r>
+            <a:r>
+              <a:rPr lang="en-US" dirty="0" smtClean="0"/>
+              <a:t>, … others… - lots of complex apply functions… but these are the basics</a:t>
+            </a:r>
+          </a:p>
+          <a:p>
             <a:endParaRPr lang="en-US" dirty="0"/>
           </a:p>
-        </p:txBody>
-      </p:sp>
-      <p:sp>
-        <p:nvSpPr>
-          <p:cNvPr id="3" name="Content Placeholder 2"/>
-          <p:cNvSpPr>
-            <a:spLocks noGrp="1"/>
-          </p:cNvSpPr>
-          <p:nvPr>
-            <p:ph idx="1"/>
-          </p:nvPr>
-        </p:nvSpPr>
-        <p:spPr/>
-        <p:txBody>
-          <a:bodyPr>
-            <a:normAutofit fontScale="70000" lnSpcReduction="20000"/>
-          </a:bodyPr>
-          <a:lstStyle/>
-          <a:p>
-            <a:r>
-              <a:rPr lang="en-US" dirty="0" smtClean="0"/>
-              <a:t>Data exploration is often the most important and insightful part of the project.  </a:t>
-            </a:r>
-          </a:p>
           <a:p>
             <a:pPr lvl="1"/>
-            <a:r>
-              <a:rPr lang="en-US" dirty="0" smtClean="0"/>
-              <a:t>In fact, most projects stop here because just looking at the data is enough to make the right decisions</a:t>
-            </a:r>
-          </a:p>
-          <a:p>
-            <a:endParaRPr lang="en-US" dirty="0"/>
-          </a:p>
-          <a:p>
-            <a:r>
-              <a:rPr lang="en-US" dirty="0" smtClean="0"/>
-              <a:t>Update project using </a:t>
-            </a:r>
-            <a:r>
-              <a:rPr lang="en-US" dirty="0" err="1" smtClean="0"/>
-              <a:t>git</a:t>
-            </a:r>
-            <a:r>
-              <a:rPr lang="en-US" dirty="0" smtClean="0"/>
-              <a:t> pull</a:t>
-            </a:r>
-          </a:p>
-          <a:p>
-            <a:pPr lvl="1"/>
-            <a:r>
-              <a:rPr lang="en-US" dirty="0" smtClean="0">
-                <a:hlinkClick r:id="rId2"/>
-              </a:rPr>
-              <a:t>https</a:t>
-            </a:r>
-            <a:r>
-              <a:rPr lang="en-US" dirty="0">
-                <a:hlinkClick r:id="rId2"/>
-              </a:rPr>
-              <a:t>://</a:t>
-            </a:r>
-            <a:r>
-              <a:rPr lang="en-US" dirty="0" smtClean="0">
-                <a:hlinkClick r:id="rId2"/>
-              </a:rPr>
-              <a:t>github.com/geneorama/DataScienceForBusiness</a:t>
-            </a:r>
-            <a:endParaRPr lang="en-US" dirty="0" smtClean="0"/>
-          </a:p>
-          <a:p>
-            <a:r>
-              <a:rPr lang="en-US" dirty="0" smtClean="0"/>
-              <a:t>Open Lecture 3 </a:t>
-            </a:r>
-            <a:r>
-              <a:rPr lang="en-US" dirty="0" err="1" smtClean="0"/>
-              <a:t>ggplot</a:t>
-            </a:r>
-            <a:r>
-              <a:rPr lang="en-US" dirty="0" smtClean="0"/>
-              <a:t> example</a:t>
-            </a:r>
-          </a:p>
-          <a:p>
-            <a:pPr lvl="1"/>
-            <a:r>
-              <a:rPr lang="en-US" dirty="0" smtClean="0"/>
-              <a:t>We’re going to clean this up and extend this report</a:t>
-            </a:r>
-          </a:p>
-          <a:p>
-            <a:pPr lvl="1"/>
-            <a:r>
-              <a:rPr lang="en-US" dirty="0" smtClean="0"/>
-              <a:t>Remember, </a:t>
-            </a:r>
-            <a:r>
-              <a:rPr lang="en-US" dirty="0" err="1" smtClean="0"/>
-              <a:t>knitr</a:t>
-            </a:r>
-            <a:r>
-              <a:rPr lang="en-US" dirty="0" smtClean="0"/>
-              <a:t> uses markdown</a:t>
-            </a:r>
-          </a:p>
-          <a:p>
-            <a:pPr lvl="2"/>
-            <a:r>
-              <a:rPr lang="en-US" sz="2000" dirty="0">
-                <a:hlinkClick r:id="rId3"/>
-              </a:rPr>
-              <a:t>http://</a:t>
-            </a:r>
-            <a:r>
-              <a:rPr lang="en-US" sz="2000" dirty="0" smtClean="0">
-                <a:hlinkClick r:id="rId3"/>
-              </a:rPr>
-              <a:t>cran.r-project.org/web/packages/knitr/vignettes/knitr-refcard.pdf</a:t>
-            </a:r>
-            <a:endParaRPr lang="en-US" sz="2000" dirty="0" smtClean="0"/>
-          </a:p>
-          <a:p>
-            <a:pPr lvl="2"/>
-            <a:endParaRPr lang="en-US" dirty="0" smtClean="0"/>
-          </a:p>
-          <a:p>
-            <a:pPr lvl="2"/>
             <a:endParaRPr lang="en-US" dirty="0"/>
           </a:p>
         </p:txBody>
@@ -4233,7 +4094,7 @@
     </p:spTree>
     <p:extLst>
       <p:ext uri="{BB962C8B-B14F-4D97-AF65-F5344CB8AC3E}">
-        <p14:creationId xmlns:p14="http://schemas.microsoft.com/office/powerpoint/2010/main" val="74311564"/>
+        <p14:creationId xmlns:p14="http://schemas.microsoft.com/office/powerpoint/2010/main" val="1310036075"/>
       </p:ext>
     </p:extLst>
   </p:cSld>
@@ -4272,12 +4133,21 @@
         </p:nvSpPr>
         <p:spPr/>
         <p:txBody>
-          <a:bodyPr/>
+          <a:bodyPr>
+            <a:normAutofit fontScale="90000"/>
+          </a:bodyPr>
           <a:lstStyle/>
           <a:p>
             <a:r>
               <a:rPr lang="en-US" dirty="0" smtClean="0"/>
-              <a:t>Remote connections</a:t>
+              <a:t>Example 1:</a:t>
+            </a:r>
+            <a:br>
+              <a:rPr lang="en-US" dirty="0" smtClean="0"/>
+            </a:br>
+            <a:r>
+              <a:rPr lang="en-US" dirty="0" smtClean="0"/>
+              <a:t>Working with data.table</a:t>
             </a:r>
             <a:endParaRPr lang="en-US" dirty="0"/>
           </a:p>
@@ -4293,111 +4163,132 @@
             <p:ph idx="1"/>
           </p:nvPr>
         </p:nvSpPr>
-        <p:spPr/>
+        <p:spPr>
+          <a:xfrm>
+            <a:off x="1371600" y="1600200"/>
+            <a:ext cx="7315200" cy="4525963"/>
+          </a:xfrm>
+        </p:spPr>
         <p:txBody>
           <a:bodyPr>
-            <a:normAutofit fontScale="70000" lnSpcReduction="20000"/>
+            <a:normAutofit fontScale="77500" lnSpcReduction="20000"/>
           </a:bodyPr>
           <a:lstStyle/>
           <a:p>
             <a:r>
               <a:rPr lang="en-US" dirty="0" smtClean="0"/>
-              <a:t>You will often need to remote into other computers to </a:t>
+              <a:t>We’ll be working with data.table in a hands on example to cover</a:t>
             </a:r>
           </a:p>
           <a:p>
             <a:pPr lvl="1"/>
             <a:r>
+              <a:rPr lang="en-US" dirty="0" err="1" smtClean="0"/>
+              <a:t>IDates</a:t>
+            </a:r>
+            <a:endParaRPr lang="en-US" dirty="0" smtClean="0"/>
+          </a:p>
+          <a:p>
+            <a:pPr lvl="1"/>
+            <a:r>
+              <a:rPr lang="en-US" dirty="0" err="1" smtClean="0"/>
+              <a:t>Subsetting</a:t>
+            </a:r>
+            <a:endParaRPr lang="en-US" dirty="0" smtClean="0"/>
+          </a:p>
+          <a:p>
+            <a:pPr lvl="1"/>
+            <a:r>
               <a:rPr lang="en-US" dirty="0" smtClean="0"/>
-              <a:t>Check information, </a:t>
+              <a:t>Column operations</a:t>
             </a:r>
           </a:p>
           <a:p>
             <a:pPr lvl="1"/>
             <a:r>
               <a:rPr lang="en-US" dirty="0" smtClean="0"/>
-              <a:t>Start a process</a:t>
+              <a:t>Grouping</a:t>
             </a:r>
           </a:p>
           <a:p>
             <a:pPr lvl="1"/>
             <a:r>
               <a:rPr lang="en-US" dirty="0" smtClean="0"/>
-              <a:t>Do basic admin (like reboot)</a:t>
+              <a:t>.N</a:t>
             </a:r>
           </a:p>
           <a:p>
             <a:pPr lvl="1"/>
             <a:r>
               <a:rPr lang="en-US" dirty="0" smtClean="0"/>
-              <a:t>Transfer data</a:t>
-            </a:r>
-          </a:p>
-          <a:p>
-            <a:pPr lvl="1"/>
+              <a:t>Creating complex </a:t>
+            </a:r>
+            <a:r>
+              <a:rPr lang="en-US" dirty="0" err="1" smtClean="0"/>
+              <a:t>ggplot</a:t>
+            </a:r>
             <a:r>
               <a:rPr lang="en-US" dirty="0" smtClean="0"/>
-              <a:t>Perform queries</a:t>
-            </a:r>
-          </a:p>
-          <a:p>
-            <a:pPr lvl="1"/>
+              <a:t> graphics</a:t>
+            </a:r>
+          </a:p>
+          <a:p>
             <a:r>
               <a:rPr lang="en-US" dirty="0" smtClean="0"/>
-              <a:t>Gain access</a:t>
-            </a:r>
-          </a:p>
-          <a:p>
-            <a:endParaRPr lang="en-US" dirty="0"/>
-          </a:p>
-          <a:p>
+              <a:t>We’ll also be using an example of a </a:t>
+            </a:r>
+            <a:r>
+              <a:rPr lang="en-US" dirty="0" err="1" smtClean="0"/>
+              <a:t>knitr</a:t>
+            </a:r>
             <a:r>
               <a:rPr lang="en-US" dirty="0" smtClean="0"/>
-              <a:t>Remote in to this computer… and tell me what’s in the file “important_document.txt”</a:t>
-            </a:r>
-          </a:p>
-          <a:p>
-            <a:pPr lvl="1"/>
-            <a:r>
-              <a:rPr lang="en-US" dirty="0" smtClean="0"/>
-              <a:t>Use these commands: </a:t>
-            </a:r>
-            <a:r>
-              <a:rPr lang="en-US" dirty="0" err="1" smtClean="0"/>
-              <a:t>ssh</a:t>
-            </a:r>
-            <a:r>
-              <a:rPr lang="en-US" dirty="0" smtClean="0"/>
-              <a:t>, </a:t>
-            </a:r>
-            <a:r>
-              <a:rPr lang="en-US" dirty="0" err="1" smtClean="0"/>
-              <a:t>ls</a:t>
-            </a:r>
-            <a:r>
-              <a:rPr lang="en-US" dirty="0" smtClean="0"/>
-              <a:t>, cat</a:t>
-            </a:r>
-          </a:p>
-          <a:p>
+              <a:t> script</a:t>
+            </a:r>
+          </a:p>
+          <a:p>
+            <a:pPr marL="0" indent="0">
+              <a:buNone/>
+            </a:pPr>
             <a:endParaRPr lang="en-US" dirty="0" smtClean="0"/>
           </a:p>
           <a:p>
-            <a:r>
-              <a:rPr lang="en-US" dirty="0" smtClean="0"/>
-              <a:t>Username: </a:t>
-            </a:r>
-            <a:r>
-              <a:rPr lang="en-US" dirty="0" err="1" smtClean="0"/>
-              <a:t>depaulpeeps</a:t>
-            </a:r>
-            <a:endParaRPr lang="en-US" dirty="0" smtClean="0"/>
-          </a:p>
-          <a:p>
-            <a:r>
-              <a:rPr lang="en-US" dirty="0" smtClean="0"/>
-              <a:t>Password: G1thubFOSS4ever</a:t>
-            </a:r>
+            <a:pPr marL="0" indent="0">
+              <a:buNone/>
+            </a:pPr>
+            <a:r>
+              <a:rPr lang="en-US" dirty="0"/>
+              <a:t>For the project please clone either at the command line or in R Studio:</a:t>
+            </a:r>
+          </a:p>
+          <a:p>
+            <a:pPr marL="0" indent="0">
+              <a:buNone/>
+            </a:pPr>
+            <a:r>
+              <a:rPr lang="en-US" sz="2800" dirty="0" smtClean="0">
+                <a:hlinkClick r:id="rId2"/>
+              </a:rPr>
+              <a:t>https</a:t>
+            </a:r>
+            <a:r>
+              <a:rPr lang="en-US" sz="2800" dirty="0">
+                <a:hlinkClick r:id="rId2"/>
+              </a:rPr>
+              <a:t>://</a:t>
+            </a:r>
+            <a:r>
+              <a:rPr lang="en-US" sz="2800" dirty="0" smtClean="0">
+                <a:hlinkClick r:id="rId2"/>
+              </a:rPr>
+              <a:t>github.com/geneorama/26_and_California</a:t>
+            </a:r>
+            <a:endParaRPr lang="en-US" sz="2800" dirty="0" smtClean="0"/>
+          </a:p>
+          <a:p>
+            <a:pPr marL="0" indent="0">
+              <a:buNone/>
+            </a:pPr>
             <a:endParaRPr lang="en-US" dirty="0"/>
           </a:p>
         </p:txBody>
@@ -4405,7 +4296,7 @@
     </p:spTree>
     <p:extLst>
       <p:ext uri="{BB962C8B-B14F-4D97-AF65-F5344CB8AC3E}">
-        <p14:creationId xmlns:p14="http://schemas.microsoft.com/office/powerpoint/2010/main" val="3073290066"/>
+        <p14:creationId xmlns:p14="http://schemas.microsoft.com/office/powerpoint/2010/main" val="4205864888"/>
       </p:ext>
     </p:extLst>
   </p:cSld>
@@ -4451,16 +4342,16 @@
           <a:p>
             <a:r>
               <a:rPr lang="en-US" dirty="0" smtClean="0"/>
-              <a:t>Remote Connections</a:t>
+              <a:t>Example 2:</a:t>
             </a:r>
             <a:br>
               <a:rPr lang="en-US" dirty="0" smtClean="0"/>
             </a:br>
             <a:r>
-              <a:rPr lang="en-US" dirty="0" smtClean="0"/>
-              <a:t>Fun and useful</a:t>
-            </a:r>
-            <a:endParaRPr lang="en-US" dirty="0"/>
+              <a:rPr lang="en-US" sz="3600" dirty="0" smtClean="0"/>
+              <a:t>Advanced reporting, and Shiny Apps</a:t>
+            </a:r>
+            <a:endParaRPr lang="en-US" sz="3600" dirty="0"/>
           </a:p>
         </p:txBody>
       </p:sp>
@@ -4476,198 +4367,139 @@
         </p:nvSpPr>
         <p:spPr>
           <a:xfrm>
-            <a:off x="1676400" y="1767840"/>
-            <a:ext cx="7010400" cy="990600"/>
+            <a:off x="1600200" y="1676400"/>
+            <a:ext cx="7086600" cy="4449763"/>
           </a:xfrm>
         </p:spPr>
         <p:txBody>
           <a:bodyPr>
-            <a:normAutofit fontScale="70000" lnSpcReduction="20000"/>
+            <a:normAutofit fontScale="77500" lnSpcReduction="20000"/>
           </a:bodyPr>
           <a:lstStyle/>
           <a:p>
             <a:r>
               <a:rPr lang="en-US" dirty="0" smtClean="0"/>
-              <a:t>The Raspberry Pi is another great reason to be able to handle / use remote connections</a:t>
-            </a:r>
-          </a:p>
-          <a:p>
+              <a:t>We’ll be working with another hands on example to show how to create</a:t>
+            </a:r>
+          </a:p>
+          <a:p>
+            <a:pPr lvl="1"/>
             <a:r>
               <a:rPr lang="en-US" dirty="0" smtClean="0"/>
-              <a:t>It’s also a great way to learn basic Linux server admin</a:t>
-            </a:r>
+              <a:t>Complex </a:t>
+            </a:r>
+            <a:r>
+              <a:rPr lang="en-US" dirty="0" err="1" smtClean="0"/>
+              <a:t>knitr</a:t>
+            </a:r>
+            <a:r>
+              <a:rPr lang="en-US" dirty="0" smtClean="0"/>
+              <a:t> documents with </a:t>
+            </a:r>
+            <a:r>
+              <a:rPr lang="en-US" dirty="0" err="1" smtClean="0"/>
+              <a:t>LaTex</a:t>
+            </a:r>
+            <a:r>
+              <a:rPr lang="en-US" dirty="0" smtClean="0"/>
+              <a:t> equations</a:t>
+            </a:r>
+          </a:p>
+          <a:p>
+            <a:pPr lvl="1"/>
+            <a:r>
+              <a:rPr lang="en-US" dirty="0" smtClean="0"/>
+              <a:t>How to create interactive reports, aka Shiny Applications </a:t>
+            </a:r>
+          </a:p>
+          <a:p>
+            <a:r>
+              <a:rPr lang="en-US" dirty="0"/>
+              <a:t>Remember, </a:t>
+            </a:r>
+            <a:r>
+              <a:rPr lang="en-US" dirty="0" err="1"/>
+              <a:t>knitr</a:t>
+            </a:r>
+            <a:r>
+              <a:rPr lang="en-US" dirty="0"/>
+              <a:t> uses </a:t>
+            </a:r>
+            <a:r>
+              <a:rPr lang="en-US" dirty="0" smtClean="0"/>
+              <a:t>markdown</a:t>
+            </a:r>
+          </a:p>
+          <a:p>
             <a:endParaRPr lang="en-US" dirty="0"/>
           </a:p>
-        </p:txBody>
-      </p:sp>
-      <p:pic>
-        <p:nvPicPr>
-          <p:cNvPr id="1026" name="Picture 2" descr="U:\GITHUB\DataScienceForBusiness\images_lec3\rpi.jpg"/>
-          <p:cNvPicPr>
-            <a:picLocks noChangeAspect="1" noChangeArrowheads="1"/>
-          </p:cNvPicPr>
-          <p:nvPr/>
-        </p:nvPicPr>
-        <p:blipFill>
-          <a:blip r:embed="rId2" cstate="print">
-            <a:extLst>
-              <a:ext uri="{28A0092B-C50C-407E-A947-70E740481C1C}">
-                <a14:useLocalDpi xmlns:a14="http://schemas.microsoft.com/office/drawing/2010/main" val="0"/>
-              </a:ext>
-            </a:extLst>
-          </a:blip>
-          <a:srcRect/>
-          <a:stretch>
-            <a:fillRect/>
-          </a:stretch>
-        </p:blipFill>
-        <p:spPr bwMode="auto">
-          <a:xfrm>
-            <a:off x="1143000" y="2971800"/>
-            <a:ext cx="4683126" cy="3121714"/>
-          </a:xfrm>
-          <a:prstGeom prst="rect">
-            <a:avLst/>
-          </a:prstGeom>
-          <a:noFill/>
-          <a:extLst>
-            <a:ext uri="{909E8E84-426E-40DD-AFC4-6F175D3DCCD1}">
-              <a14:hiddenFill xmlns:a14="http://schemas.microsoft.com/office/drawing/2010/main">
-                <a:solidFill>
-                  <a:srgbClr val="FFFFFF"/>
-                </a:solidFill>
-              </a14:hiddenFill>
-            </a:ext>
-          </a:extLst>
-        </p:spPr>
-      </p:pic>
-      <p:pic>
-        <p:nvPicPr>
-          <p:cNvPr id="1027" name="Picture 3" descr="U:\GITHUB\DataScienceForBusiness\images_lec3\rpi_with_camera.jpg"/>
-          <p:cNvPicPr>
-            <a:picLocks noChangeAspect="1" noChangeArrowheads="1"/>
-          </p:cNvPicPr>
-          <p:nvPr/>
-        </p:nvPicPr>
-        <p:blipFill>
-          <a:blip r:embed="rId3" cstate="print">
-            <a:extLst>
-              <a:ext uri="{28A0092B-C50C-407E-A947-70E740481C1C}">
-                <a14:useLocalDpi xmlns:a14="http://schemas.microsoft.com/office/drawing/2010/main" val="0"/>
-              </a:ext>
-            </a:extLst>
-          </a:blip>
-          <a:srcRect/>
-          <a:stretch>
-            <a:fillRect/>
-          </a:stretch>
-        </p:blipFill>
-        <p:spPr bwMode="auto">
-          <a:xfrm>
-            <a:off x="5943600" y="3883714"/>
-            <a:ext cx="2133600" cy="2133600"/>
-          </a:xfrm>
-          <a:prstGeom prst="rect">
-            <a:avLst/>
-          </a:prstGeom>
-          <a:noFill/>
-          <a:extLst>
-            <a:ext uri="{909E8E84-426E-40DD-AFC4-6F175D3DCCD1}">
-              <a14:hiddenFill xmlns:a14="http://schemas.microsoft.com/office/drawing/2010/main">
-                <a:solidFill>
-                  <a:srgbClr val="FFFFFF"/>
-                </a:solidFill>
-              </a14:hiddenFill>
-            </a:ext>
-          </a:extLst>
-        </p:spPr>
-      </p:pic>
-      <p:sp>
-        <p:nvSpPr>
-          <p:cNvPr id="5" name="Rectangular Callout 4"/>
-          <p:cNvSpPr/>
-          <p:nvPr/>
-        </p:nvSpPr>
-        <p:spPr>
-          <a:xfrm>
-            <a:off x="7010400" y="2895600"/>
-            <a:ext cx="1371600" cy="457200"/>
-          </a:xfrm>
-          <a:prstGeom prst="wedgeRectCallout">
-            <a:avLst>
-              <a:gd name="adj1" fmla="val -30033"/>
-              <a:gd name="adj2" fmla="val 150833"/>
-            </a:avLst>
-          </a:prstGeom>
-        </p:spPr>
-        <p:style>
-          <a:lnRef idx="2">
-            <a:schemeClr val="accent6"/>
-          </a:lnRef>
-          <a:fillRef idx="1">
-            <a:schemeClr val="lt1"/>
-          </a:fillRef>
-          <a:effectRef idx="0">
-            <a:schemeClr val="accent6"/>
-          </a:effectRef>
-          <a:fontRef idx="minor">
-            <a:schemeClr val="dk1"/>
-          </a:fontRef>
-        </p:style>
-        <p:txBody>
-          <a:bodyPr rtlCol="0" anchor="ctr"/>
-          <a:lstStyle/>
-          <a:p>
-            <a:pPr algn="ctr"/>
+          <a:p>
+            <a:pPr marL="0" indent="0">
+              <a:buNone/>
+            </a:pPr>
+            <a:r>
+              <a:rPr lang="en-US" dirty="0" err="1" smtClean="0"/>
+              <a:t>Knitr</a:t>
+            </a:r>
             <a:r>
               <a:rPr lang="en-US" dirty="0" smtClean="0"/>
-              <a:t>Camera</a:t>
+              <a:t> cheat sheet (one of many, use google too):</a:t>
             </a:r>
             <a:endParaRPr lang="en-US" dirty="0"/>
           </a:p>
-        </p:txBody>
-      </p:sp>
-      <p:sp>
-        <p:nvSpPr>
-          <p:cNvPr id="8" name="Rectangular Callout 7"/>
-          <p:cNvSpPr/>
-          <p:nvPr/>
-        </p:nvSpPr>
-        <p:spPr>
-          <a:xfrm>
-            <a:off x="441960" y="1219200"/>
-            <a:ext cx="1371600" cy="457200"/>
-          </a:xfrm>
-          <a:prstGeom prst="wedgeRectCallout">
-            <a:avLst>
-              <a:gd name="adj1" fmla="val 66633"/>
-              <a:gd name="adj2" fmla="val 544166"/>
-            </a:avLst>
-          </a:prstGeom>
-        </p:spPr>
-        <p:style>
-          <a:lnRef idx="2">
-            <a:schemeClr val="accent6"/>
-          </a:lnRef>
-          <a:fillRef idx="1">
-            <a:schemeClr val="lt1"/>
-          </a:fillRef>
-          <a:effectRef idx="0">
-            <a:schemeClr val="accent6"/>
-          </a:effectRef>
-          <a:fontRef idx="minor">
-            <a:schemeClr val="dk1"/>
-          </a:fontRef>
-        </p:style>
-        <p:txBody>
-          <a:bodyPr rtlCol="0" anchor="ctr"/>
-          <a:lstStyle/>
-          <a:p>
-            <a:pPr algn="ctr"/>
+          <a:p>
+            <a:pPr marL="0" indent="0">
+              <a:buNone/>
+            </a:pPr>
+            <a:r>
+              <a:rPr lang="en-US" sz="2100" dirty="0" smtClean="0">
+                <a:hlinkClick r:id="rId2"/>
+              </a:rPr>
+              <a:t>http</a:t>
+            </a:r>
+            <a:r>
+              <a:rPr lang="en-US" sz="2100" dirty="0">
+                <a:hlinkClick r:id="rId2"/>
+              </a:rPr>
+              <a:t>://cran.r-project.org/web/packages/knitr/vignettes/knitr-refcard.pdf</a:t>
+            </a:r>
+            <a:endParaRPr lang="en-US" sz="2100" dirty="0"/>
+          </a:p>
+          <a:p>
+            <a:pPr lvl="1"/>
+            <a:endParaRPr lang="en-US" dirty="0" smtClean="0"/>
+          </a:p>
+          <a:p>
+            <a:pPr marL="0" indent="0">
+              <a:buNone/>
+            </a:pPr>
             <a:r>
               <a:rPr lang="en-US" dirty="0" smtClean="0"/>
-              <a:t>GPIO Pins</a:t>
-            </a:r>
+              <a:t>For the project please clone either at the command line or in R Studio:</a:t>
+            </a:r>
+          </a:p>
+          <a:p>
+            <a:pPr marL="0" indent="0">
+              <a:buNone/>
+            </a:pPr>
+            <a:r>
+              <a:rPr lang="en-US" sz="2200" dirty="0">
+                <a:hlinkClick r:id="rId3"/>
+              </a:rPr>
+              <a:t>https://</a:t>
+            </a:r>
+            <a:r>
+              <a:rPr lang="en-US" sz="2200" dirty="0" smtClean="0">
+                <a:hlinkClick r:id="rId3"/>
+              </a:rPr>
+              <a:t>github.com/geneorama/exponential_smoothing_demo</a:t>
+            </a:r>
+            <a:endParaRPr lang="en-US" sz="2200" dirty="0" smtClean="0"/>
+          </a:p>
+          <a:p>
+            <a:pPr marL="0" indent="0">
+              <a:buNone/>
+            </a:pPr>
             <a:endParaRPr lang="en-US" dirty="0"/>
           </a:p>
         </p:txBody>
@@ -4675,7 +4507,7 @@
     </p:spTree>
     <p:extLst>
       <p:ext uri="{BB962C8B-B14F-4D97-AF65-F5344CB8AC3E}">
-        <p14:creationId xmlns:p14="http://schemas.microsoft.com/office/powerpoint/2010/main" val="4121971022"/>
+        <p14:creationId xmlns:p14="http://schemas.microsoft.com/office/powerpoint/2010/main" val="1324130292"/>
       </p:ext>
     </p:extLst>
   </p:cSld>
@@ -4721,50 +4553,130 @@
           <a:p>
             <a:r>
               <a:rPr lang="en-US" dirty="0" smtClean="0"/>
-              <a:t>Remote Connections -</a:t>
+              <a:t>Example 3:</a:t>
             </a:r>
             <a:br>
               <a:rPr lang="en-US" dirty="0" smtClean="0"/>
             </a:br>
             <a:r>
+              <a:rPr lang="en-US" sz="3600" dirty="0" smtClean="0"/>
+              <a:t>Parallel processing with AWS</a:t>
+            </a:r>
+            <a:endParaRPr lang="en-US" sz="3600" dirty="0"/>
+          </a:p>
+        </p:txBody>
+      </p:sp>
+      <p:sp>
+        <p:nvSpPr>
+          <p:cNvPr id="3" name="Content Placeholder 2"/>
+          <p:cNvSpPr>
+            <a:spLocks noGrp="1"/>
+          </p:cNvSpPr>
+          <p:nvPr>
+            <p:ph idx="1"/>
+          </p:nvPr>
+        </p:nvSpPr>
+        <p:spPr>
+          <a:xfrm>
+            <a:off x="1600200" y="1676400"/>
+            <a:ext cx="7086600" cy="4449763"/>
+          </a:xfrm>
+        </p:spPr>
+        <p:txBody>
+          <a:bodyPr>
+            <a:normAutofit fontScale="70000" lnSpcReduction="20000"/>
+          </a:bodyPr>
+          <a:lstStyle/>
+          <a:p>
+            <a:r>
+              <a:rPr lang="en-US" sz="3400" dirty="0" smtClean="0"/>
+              <a:t>For this example we’ll be looking back at the vacant and abandoned building example</a:t>
+            </a:r>
+          </a:p>
+          <a:p>
+            <a:pPr lvl="1"/>
+            <a:r>
+              <a:rPr lang="en-US" sz="3400" dirty="0" smtClean="0"/>
+              <a:t>Using AWS</a:t>
+            </a:r>
+          </a:p>
+          <a:p>
+            <a:pPr lvl="1"/>
+            <a:r>
+              <a:rPr lang="en-US" sz="3400" dirty="0" smtClean="0"/>
+              <a:t>How to download data using parallel processing</a:t>
+            </a:r>
+          </a:p>
+          <a:p>
+            <a:pPr lvl="1"/>
+            <a:r>
+              <a:rPr lang="en-US" sz="3400" smtClean="0"/>
+              <a:t>Other </a:t>
+            </a:r>
+            <a:r>
+              <a:rPr lang="en-US" sz="3400" smtClean="0"/>
+              <a:t>ML models </a:t>
+            </a:r>
+            <a:endParaRPr lang="en-US" sz="3400" dirty="0" smtClean="0"/>
+          </a:p>
+          <a:p>
+            <a:pPr marL="0" indent="0">
+              <a:buNone/>
+            </a:pPr>
+            <a:endParaRPr lang="en-US" dirty="0" smtClean="0"/>
+          </a:p>
+          <a:p>
+            <a:pPr marL="0" indent="0">
+              <a:buNone/>
+            </a:pPr>
+            <a:r>
+              <a:rPr lang="en-US" dirty="0"/>
+              <a:t>This example is already in our </a:t>
+            </a:r>
+            <a:r>
+              <a:rPr lang="en-US" dirty="0" err="1"/>
+              <a:t>DataScienceForBusiness</a:t>
+            </a:r>
+            <a:r>
+              <a:rPr lang="en-US" dirty="0"/>
+              <a:t> project, but please </a:t>
+            </a:r>
+            <a:r>
               <a:rPr lang="en-US" dirty="0" smtClean="0"/>
-              <a:t>Can also save you!</a:t>
+              <a:t>be sure to pull down the latest updates with a git pull command (either in R Studio or at the command line)</a:t>
             </a:r>
             <a:endParaRPr lang="en-US" dirty="0"/>
           </a:p>
-        </p:txBody>
-      </p:sp>
-      <p:sp>
-        <p:nvSpPr>
-          <p:cNvPr id="3" name="Content Placeholder 2"/>
-          <p:cNvSpPr>
-            <a:spLocks noGrp="1"/>
-          </p:cNvSpPr>
-          <p:nvPr>
-            <p:ph idx="1"/>
-          </p:nvPr>
-        </p:nvSpPr>
-        <p:spPr/>
-        <p:txBody>
-          <a:bodyPr/>
-          <a:lstStyle/>
-          <a:p>
-            <a:r>
-              <a:rPr lang="en-US" smtClean="0"/>
-              <a:t>Open AWS </a:t>
-            </a:r>
-            <a:r>
-              <a:rPr lang="en-US" dirty="0" smtClean="0"/>
-              <a:t>Example</a:t>
-            </a:r>
-            <a:endParaRPr lang="en-US" dirty="0"/>
+          <a:p>
+            <a:pPr marL="0" indent="0">
+              <a:buNone/>
+            </a:pPr>
+            <a:endParaRPr lang="en-US" dirty="0" smtClean="0"/>
+          </a:p>
+          <a:p>
+            <a:pPr marL="0" indent="0">
+              <a:buNone/>
+            </a:pPr>
+            <a:r>
+              <a:rPr lang="en-US" dirty="0">
+                <a:hlinkClick r:id="rId2"/>
+              </a:rPr>
+              <a:t>https://</a:t>
+            </a:r>
+            <a:r>
+              <a:rPr lang="en-US" dirty="0" smtClean="0">
+                <a:hlinkClick r:id="rId2"/>
+              </a:rPr>
+              <a:t>github.com/geneorama/DataScienceForBusiness</a:t>
+            </a:r>
+            <a:endParaRPr lang="en-US" dirty="0" smtClean="0"/>
           </a:p>
         </p:txBody>
       </p:sp>
     </p:spTree>
     <p:extLst>
       <p:ext uri="{BB962C8B-B14F-4D97-AF65-F5344CB8AC3E}">
-        <p14:creationId xmlns:p14="http://schemas.microsoft.com/office/powerpoint/2010/main" val="756721134"/>
+        <p14:creationId xmlns:p14="http://schemas.microsoft.com/office/powerpoint/2010/main" val="252586623"/>
       </p:ext>
     </p:extLst>
   </p:cSld>
